--- a/generated_ppt/AI_Presentation.pptx
+++ b/generated_ppt/AI_Presentation.pptx
@@ -3125,7 +3125,7 @@
               </a:defRPr>
             </a:pPr>
             <a:r>
-              <a:t>Slide 1: Introduction</a:t>
+              <a:t>Slide 1: Introduction to Renewable Energy Storage</a:t>
             </a:r>
           </a:p>
         </p:txBody>
@@ -3154,7 +3154,7 @@
               </a:defRPr>
             </a:pPr>
             <a:r>
-              <a:t>• Renewable energy storage is crucial for maintaining grid stability and ensuring a reliable energy supply.</a:t>
+              <a:t>• Rapid deployment of renewable energy sources necessitates the development of efficient energy storage systems to ensure a stable power grid.</a:t>
             </a:r>
           </a:p>
           <a:p>
@@ -3166,7 +3166,7 @@
               </a:defRPr>
             </a:pPr>
             <a:r>
-              <a:t>    [Design hint: Use a bold font for emphasis]</a:t>
+              <a:t>    [Design hint: Use a bold font for key terms like 'renewable energy' and 'energy storage'.]</a:t>
             </a:r>
           </a:p>
           <a:p>
@@ -3178,7 +3178,7 @@
               </a:defRPr>
             </a:pPr>
             <a:r>
-              <a:t>• Energy storage technologies play a vital role in supporting grid operations and facilitating large-scale renewable energy adoption.</a:t>
+              <a:t>• Energy storage technologies play a crucial role in enabling the widespread adoption of renewable energy sources, reducing reliance on fossil fuels.</a:t>
             </a:r>
           </a:p>
           <a:p>
@@ -3190,7 +3190,7 @@
               </a:defRPr>
             </a:pPr>
             <a:r>
-              <a:t>    [Design hint: Add a relevant image to illustrate the concept]</a:t>
+              <a:t>    [Design hint: Use a visual representation of a grid to illustrate the connection between energy storage and renewable energy sources.]</a:t>
             </a:r>
           </a:p>
         </p:txBody>
@@ -3236,7 +3236,7 @@
               </a:defRPr>
             </a:pPr>
             <a:r>
-              <a:t>Slide 10: Grid Integration Strategies</a:t>
+              <a:t>Slide 10: Hydrogen Storage</a:t>
             </a:r>
           </a:p>
         </p:txBody>
@@ -3265,7 +3265,7 @@
               </a:defRPr>
             </a:pPr>
             <a:r>
-              <a:t>• Robust grid integration strategies are essential for overcoming challenges in renewable energy storage, ensuring a stable and efficient energy supply.</a:t>
+              <a:t>• Hydrogen storage is ideal for long-duration energy storage applications due to its high energy density and prolonged lifetimes.</a:t>
             </a:r>
           </a:p>
           <a:p>
@@ -3277,7 +3277,7 @@
               </a:defRPr>
             </a:pPr>
             <a:r>
-              <a:t>    [Design hint: Use a flowchart to illustrate the integration process]</a:t>
+              <a:t>    [Design hint: Use a graph to show the relationship between hydrogen storage and renewable energy integration.]</a:t>
             </a:r>
           </a:p>
           <a:p>
@@ -3289,7 +3289,7 @@
               </a:defRPr>
             </a:pPr>
             <a:r>
-              <a:t>• Continued investment in R&amp;D and supportive policy frameworks are crucial for accelerating the development of grid integration technologies and reducing costs.</a:t>
+              <a:t>• Hydrogen's high energy density enables efficient storage and release of energy, making it suitable for various applications.</a:t>
             </a:r>
           </a:p>
           <a:p>
@@ -3301,7 +3301,7 @@
               </a:defRPr>
             </a:pPr>
             <a:r>
-              <a:t>    [Design hint: Use a graph to show the impact of investment on costs]</a:t>
+              <a:t>    [Design hint: Highlight the benefits of hydrogen's high energy density in various applications.]</a:t>
             </a:r>
           </a:p>
         </p:txBody>
@@ -3347,7 +3347,7 @@
               </a:defRPr>
             </a:pPr>
             <a:r>
-              <a:t>Slide 11: Policy Frameworks</a:t>
+              <a:t>Slide 11: Grid-Scale Energy Storage</a:t>
             </a:r>
           </a:p>
         </p:txBody>
@@ -3369,14 +3369,14 @@
           <a:p/>
           <a:p>
             <a:pPr algn="l">
-              <a:defRPr sz="1800" b="0">
-                <a:solidFill>
-                  <a:srgbClr val="0066CC"/>
-                </a:solidFill>
-              </a:defRPr>
-            </a:pPr>
-            <a:r>
-              <a:t>• Supportive policy frameworks can accelerate the adoption of renewable energy storage by providing a stable regulatory environment and incentives for innovation.</a:t>
+              <a:defRPr sz="1800" b="1">
+                <a:solidFill>
+                  <a:srgbClr val="CC3333"/>
+                </a:solidFill>
+              </a:defRPr>
+            </a:pPr>
+            <a:r>
+              <a:t>• Energy storage technologies, such as batteries and pumped hydro, support grid operations by providing flexibility and stability.</a:t>
             </a:r>
           </a:p>
           <a:p>
@@ -3388,19 +3388,19 @@
               </a:defRPr>
             </a:pPr>
             <a:r>
-              <a:t>    [Design hint: Use a green background to represent growth and sustainability.]</a:t>
-            </a:r>
-          </a:p>
-          <a:p>
-            <a:pPr algn="l">
-              <a:defRPr sz="1800" b="0">
-                <a:solidFill>
-                  <a:srgbClr val="0066CC"/>
-                </a:solidFill>
-              </a:defRPr>
-            </a:pPr>
-            <a:r>
-              <a:t>• Continued investment in R&amp;D and robust grid integration strategies are crucial for overcoming the technical and infrastructure challenges in renewable energy storage.</a:t>
+              <a:t>    [Design hint: Use a grid pattern to represent energy storage]</a:t>
+            </a:r>
+          </a:p>
+          <a:p>
+            <a:pPr algn="l">
+              <a:defRPr sz="1800" b="1">
+                <a:solidFill>
+                  <a:srgbClr val="CC3333"/>
+                </a:solidFill>
+              </a:defRPr>
+            </a:pPr>
+            <a:r>
+              <a:t>• Grid-scale energy storage enables widespread adoption of renewable energy sources, like solar and wind power, by mitigating intermittency issues.</a:t>
             </a:r>
           </a:p>
           <a:p>
@@ -3412,7 +3412,7 @@
               </a:defRPr>
             </a:pPr>
             <a:r>
-              <a:t>    [Design hint: Highlight key terms like R&amp;D and grid integration for emphasis.]</a:t>
+              <a:t>    [Design hint: Use a renewable energy icon to represent solar and wind power]</a:t>
             </a:r>
           </a:p>
         </p:txBody>
@@ -3458,7 +3458,7 @@
               </a:defRPr>
             </a:pPr>
             <a:r>
-              <a:t>Slide 12: Cost Reductions</a:t>
+              <a:t>Slide 12: Residential Energy Storage</a:t>
             </a:r>
           </a:p>
         </p:txBody>
@@ -3487,7 +3487,7 @@
               </a:defRPr>
             </a:pPr>
             <a:r>
-              <a:t>• Cost reductions are crucial for widespread renewable energy use, enabling economies of scale and increased adoption rates.</a:t>
+              <a:t>• Lithium-Ion Batteries: Cost-effective, high energy density, and quick response; widely deployed in residential settings.</a:t>
             </a:r>
           </a:p>
           <a:p>
@@ -3499,7 +3499,7 @@
               </a:defRPr>
             </a:pPr>
             <a:r>
-              <a:t>    [Design hint: Use a graph or chart to visualize cost reductions over time.]</a:t>
+              <a:t>    [Design hint: Use a battery icon to represent lithium-ion batteries]</a:t>
             </a:r>
           </a:p>
           <a:p>
@@ -3511,7 +3511,7 @@
               </a:defRPr>
             </a:pPr>
             <a:r>
-              <a:t>• Continued investment in R&amp;D and supportive policy frameworks are essential for overcoming scalability, affordability, and efficiency challenges in renewable energy.</a:t>
+              <a:t>• Residential Energy Storage Systems: Enable homeowners to store excess energy generated by solar panels or the grid, reducing energy bills and reliance on fossil fuels.</a:t>
             </a:r>
           </a:p>
           <a:p>
@@ -3523,7 +3523,103 @@
               </a:defRPr>
             </a:pPr>
             <a:r>
-              <a:t>    [Design hint: Highlight key terms like R&amp;D and policy frameworks for emphasis.]</a:t>
+              <a:t>    [Design hint: Use a solar panel icon to represent solar energy]</a:t>
+            </a:r>
+          </a:p>
+          <a:p>
+            <a:pPr algn="l">
+              <a:defRPr sz="1800" b="1">
+                <a:solidFill>
+                  <a:srgbClr val="CC3333"/>
+                </a:solidFill>
+              </a:defRPr>
+            </a:pPr>
+            <a:r>
+              <a:t>• Battery Durability and Lifespan: Proper maintenance and charging habits can extend battery lifespan, ensuring reliable energy storage for 10-15 years or more.</a:t>
+            </a:r>
+          </a:p>
+          <a:p>
+            <a:pPr algn="l">
+              <a:defRPr sz="1100">
+                <a:solidFill>
+                  <a:srgbClr val="787878"/>
+                </a:solidFill>
+              </a:defRPr>
+            </a:pPr>
+            <a:r>
+              <a:t>    [Design hint: Use a calendar icon to represent battery lifespan]</a:t>
+            </a:r>
+          </a:p>
+          <a:p>
+            <a:pPr algn="l">
+              <a:defRPr sz="1800" b="1">
+                <a:solidFill>
+                  <a:srgbClr val="CC3333"/>
+                </a:solidFill>
+              </a:defRPr>
+            </a:pPr>
+            <a:r>
+              <a:t>• Grid Services and Time-of-Use Pricing: Energy storage systems can provide grid services, such as frequency regulation, and take advantage of time-of-use pricing for cost savings.</a:t>
+            </a:r>
+          </a:p>
+          <a:p>
+            <a:pPr algn="l">
+              <a:defRPr sz="1100">
+                <a:solidFill>
+                  <a:srgbClr val="787878"/>
+                </a:solidFill>
+              </a:defRPr>
+            </a:pPr>
+            <a:r>
+              <a:t>    [Design hint: Use a grid icon to represent grid services]</a:t>
+            </a:r>
+          </a:p>
+          <a:p>
+            <a:pPr algn="l">
+              <a:defRPr sz="1800" b="1">
+                <a:solidFill>
+                  <a:srgbClr val="CC3333"/>
+                </a:solidFill>
+              </a:defRPr>
+            </a:pPr>
+            <a:r>
+              <a:t>• Residential Energy Storage Incentives: Governments and utilities offer incentives, such as tax credits and rebates, to encourage adoption of energy storage systems in residential settings.</a:t>
+            </a:r>
+          </a:p>
+          <a:p>
+            <a:pPr algn="l">
+              <a:defRPr sz="1100">
+                <a:solidFill>
+                  <a:srgbClr val="787878"/>
+                </a:solidFill>
+              </a:defRPr>
+            </a:pPr>
+            <a:r>
+              <a:t>    [Design hint: Use a dollar sign icon to represent incentives]</a:t>
+            </a:r>
+          </a:p>
+          <a:p>
+            <a:pPr algn="l">
+              <a:defRPr sz="1800" b="1">
+                <a:solidFill>
+                  <a:srgbClr val="CC3333"/>
+                </a:solidFill>
+              </a:defRPr>
+            </a:pPr>
+            <a:r>
+              <a:t>• Home Energy Management Systems: Energy storage systems can be integrated with home energy management systems to optimize energy usage, reduce waste, and increase energy efficiency.</a:t>
+            </a:r>
+          </a:p>
+          <a:p>
+            <a:pPr algn="l">
+              <a:defRPr sz="1100">
+                <a:solidFill>
+                  <a:srgbClr val="787878"/>
+                </a:solidFill>
+              </a:defRPr>
+            </a:pPr>
+            <a:r>
+              <a:t>    [Design hint: Use a home icon to represent home energy management systems]</a:t>
             </a:r>
           </a:p>
         </p:txBody>
@@ -3569,7 +3665,7 @@
               </a:defRPr>
             </a:pPr>
             <a:r>
-              <a:t>Slide 13: Efficiency Gains</a:t>
+              <a:t>Slide 13: Industrial Energy Storage</a:t>
             </a:r>
           </a:p>
         </p:txBody>
@@ -3591,14 +3687,14 @@
           <a:p/>
           <a:p>
             <a:pPr algn="l">
-              <a:defRPr sz="1800" b="0">
-                <a:solidFill>
-                  <a:srgbClr val="0066CC"/>
-                </a:solidFill>
-              </a:defRPr>
-            </a:pPr>
-            <a:r>
-              <a:t>• Efficiency gains are crucial for widespread renewable energy use, enabling cost-effective and reliable power generation.</a:t>
+              <a:defRPr sz="1800" b="1">
+                <a:solidFill>
+                  <a:srgbClr val="CC3333"/>
+                </a:solidFill>
+              </a:defRPr>
+            </a:pPr>
+            <a:r>
+              <a:t>• Industrial energy storage systems are designed to meet the high power demands of manufacturing facilities, with capacities ranging from kilowatt-hours to megawatt-hours.</a:t>
             </a:r>
           </a:p>
           <a:p>
@@ -3610,19 +3706,19 @@
               </a:defRPr>
             </a:pPr>
             <a:r>
-              <a:t>    [Design hint: Use a diagram to illustrate efficiency gains in renewable energy systems.]</a:t>
-            </a:r>
-          </a:p>
-          <a:p>
-            <a:pPr algn="l">
-              <a:defRPr sz="1800" b="0">
-                <a:solidFill>
-                  <a:srgbClr val="0066CC"/>
-                </a:solidFill>
-              </a:defRPr>
-            </a:pPr>
-            <a:r>
-              <a:t>• Continued investment in R&amp;D and supportive policy frameworks are essential for overcoming scalability, affordability, and efficiency challenges.</a:t>
+              <a:t>    [Design hint: Use a factory icon to represent industrial energy storage]</a:t>
+            </a:r>
+          </a:p>
+          <a:p>
+            <a:pPr algn="l">
+              <a:defRPr sz="1800" b="1">
+                <a:solidFill>
+                  <a:srgbClr val="CC3333"/>
+                </a:solidFill>
+              </a:defRPr>
+            </a:pPr>
+            <a:r>
+              <a:t>• High energy density and long lifetimes make industrial energy storage systems ideal for applications requiring frequent charge and discharge cycles.</a:t>
             </a:r>
           </a:p>
           <a:p>
@@ -3634,7 +3730,7 @@
               </a:defRPr>
             </a:pPr>
             <a:r>
-              <a:t>    [Design hint: Highlight key terms like R&amp;D and policy frameworks for emphasis.]</a:t>
+              <a:t>    [Design hint: Use a battery icon to represent high energy density]</a:t>
             </a:r>
           </a:p>
         </p:txBody>
@@ -3680,7 +3776,7 @@
               </a:defRPr>
             </a:pPr>
             <a:r>
-              <a:t>Slide 14: Deployment Challenges</a:t>
+              <a:t>Slide 14: Energy Storage Policy and Regulation</a:t>
             </a:r>
           </a:p>
         </p:txBody>
@@ -3709,7 +3805,7 @@
               </a:defRPr>
             </a:pPr>
             <a:r>
-              <a:t>• Scalability, affordability, and efficiency are key challenges in renewable energy storage, hindering widespread adoption and grid integration.</a:t>
+              <a:t>• Government incentives and policy support have driven the rapid growth of renewable energy storage technologies, transforming the industry landscape.</a:t>
             </a:r>
           </a:p>
           <a:p>
@@ -3721,7 +3817,7 @@
               </a:defRPr>
             </a:pPr>
             <a:r>
-              <a:t>    [Design hint: Use a graph or chart to visualize deployment challenges over time.]</a:t>
+              <a:t>    [Design hint: Use a government icon to represent policy support]</a:t>
             </a:r>
           </a:p>
           <a:p>
@@ -3733,7 +3829,7 @@
               </a:defRPr>
             </a:pPr>
             <a:r>
-              <a:t>• Continued investment in R&amp;D and supportive policy frameworks are essential for overcoming scalability, affordability, and efficiency challenges in renewable energy storage.</a:t>
+              <a:t>• Regulatory frameworks and standards are crucial for ensuring the safe and efficient integration of energy storage systems into existing grid infrastructure.</a:t>
             </a:r>
           </a:p>
           <a:p>
@@ -3745,7 +3841,7 @@
               </a:defRPr>
             </a:pPr>
             <a:r>
-              <a:t>    [Design hint: Highlight key terms like R&amp;D and policy frameworks for emphasis.]</a:t>
+              <a:t>    [Design hint: Use a grid icon to represent grid infrastructure]</a:t>
             </a:r>
           </a:p>
         </p:txBody>
@@ -3791,7 +3887,7 @@
               </a:defRPr>
             </a:pPr>
             <a:r>
-              <a:t>Slide 15: Conclusion</a:t>
+              <a:t>Slide 15: Future of Renewable Energy Storage</a:t>
             </a:r>
           </a:p>
         </p:txBody>
@@ -3820,7 +3916,7 @@
               </a:defRPr>
             </a:pPr>
             <a:r>
-              <a:t>• Renewable energy storage technologies are crucial for a low-carbon economy, enabling efficient energy management and reducing reliance on fossil fuels.</a:t>
+              <a:t>• Advances in battery technologies, such as lithium-ion and flow batteries, will improve energy storage efficiency and reduce costs.</a:t>
             </a:r>
           </a:p>
           <a:p>
@@ -3832,7 +3928,7 @@
               </a:defRPr>
             </a:pPr>
             <a:r>
-              <a:t>    [Design hint: Use a green background to represent growth and sustainability.]</a:t>
+              <a:t>    [Design hint: Use a battery icon to represent advances in battery technologies]</a:t>
             </a:r>
           </a:p>
           <a:p>
@@ -3844,7 +3940,7 @@
               </a:defRPr>
             </a:pPr>
             <a:r>
-              <a:t>• Energy storage systems play a vital role in grid operations, stabilizing supply and demand, and facilitating widespread adoption of renewable energy sources.</a:t>
+              <a:t>• Integration strategies, including smart grids and energy management systems, will optimize renewable energy distribution and consumption patterns.</a:t>
             </a:r>
           </a:p>
           <a:p>
@@ -3856,7 +3952,31 @@
               </a:defRPr>
             </a:pPr>
             <a:r>
-              <a:t>    [Design hint: Highlight key terms like grid operations and renewable energy sources for emphasis.]</a:t>
+              <a:t>    [Design hint: Use a smart grid icon to represent integration strategies]</a:t>
+            </a:r>
+          </a:p>
+          <a:p>
+            <a:pPr algn="l">
+              <a:defRPr sz="1800" b="0">
+                <a:solidFill>
+                  <a:srgbClr val="0066CC"/>
+                </a:solidFill>
+              </a:defRPr>
+            </a:pPr>
+            <a:r>
+              <a:t>• Policy support, through incentives and regulations, will drive investment and adoption of renewable energy storage technologies and infrastructure.</a:t>
+            </a:r>
+          </a:p>
+          <a:p>
+            <a:pPr algn="l">
+              <a:defRPr sz="1100">
+                <a:solidFill>
+                  <a:srgbClr val="787878"/>
+                </a:solidFill>
+              </a:defRPr>
+            </a:pPr>
+            <a:r>
+              <a:t>    [Design hint: Use a government icon to represent policy support]</a:t>
             </a:r>
           </a:p>
         </p:txBody>
@@ -3902,7 +4022,7 @@
               </a:defRPr>
             </a:pPr>
             <a:r>
-              <a:t>Slide 2: Key Storage Technologies</a:t>
+              <a:t>Slide 2: Challenges of Renewable Energy</a:t>
             </a:r>
           </a:p>
         </p:txBody>
@@ -3931,7 +4051,7 @@
               </a:defRPr>
             </a:pPr>
             <a:r>
-              <a:t>• Lithium-ion batteries offer cost-effectiveness, high energy density, and rapid charging capabilities, making them a widely adopted choice.</a:t>
+              <a:t>• The intermittent nature of solar and wind resources poses significant challenges for grid stability and energy availability, impacting power distribution and consumption.</a:t>
             </a:r>
           </a:p>
           <a:p>
@@ -3943,7 +4063,7 @@
               </a:defRPr>
             </a:pPr>
             <a:r>
-              <a:t>    [Design hint: Use a color scheme that highlights the benefits of lithium-ion batteries]</a:t>
+              <a:t>    [Design hint: Use a graph to illustrate the variability of solar and wind resources.]</a:t>
             </a:r>
           </a:p>
           <a:p>
@@ -3955,7 +4075,7 @@
               </a:defRPr>
             </a:pPr>
             <a:r>
-              <a:t>• Solid-state batteries boast enhanced safety and higher energy density, but their widespread adoption is hindered by manufacturing scalability challenges.</a:t>
+              <a:t>• Energy storage technologies play a crucial role in supporting grid operations, enabling renewable energy adoption at scale, and ensuring a stable energy supply.</a:t>
             </a:r>
           </a:p>
           <a:p>
@@ -3967,7 +4087,7 @@
               </a:defRPr>
             </a:pPr>
             <a:r>
-              <a:t>    [Design hint: Use a cautionary tone to highlight the challenges of solid-state batteries]</a:t>
+              <a:t>    [Design hint: Use a diagram to show how energy storage technologies support grid operations.]</a:t>
             </a:r>
           </a:p>
         </p:txBody>
@@ -4013,7 +4133,7 @@
               </a:defRPr>
             </a:pPr>
             <a:r>
-              <a:t>Slide 3: Advances in Renewable Energy Storage Systems</a:t>
+              <a:t>Slide 3: Advances in Renewable Energy Storage Technologies</a:t>
             </a:r>
           </a:p>
         </p:txBody>
@@ -4042,7 +4162,7 @@
               </a:defRPr>
             </a:pPr>
             <a:r>
-              <a:t>• Efficiency gains and cost reductions are crucial for widespread renewable energy adoption, enabling greater energy independence and reduced greenhouse gas emissions.</a:t>
+              <a:t>• Advances in battery technologies, such as lithium-ion and flow batteries, have improved energy density, efficiency, and cost-effectiveness.</a:t>
             </a:r>
           </a:p>
           <a:p>
@@ -4054,7 +4174,7 @@
               </a:defRPr>
             </a:pPr>
             <a:r>
-              <a:t>    [Design hint: Use a question mark to indicate the need for review]</a:t>
+              <a:t>    [Design hint: Use a table to compare the features of different battery technologies.]</a:t>
             </a:r>
           </a:p>
           <a:p>
@@ -4066,7 +4186,7 @@
               </a:defRPr>
             </a:pPr>
             <a:r>
-              <a:t>• Continued investment in R&amp;D and supportive policy frameworks are essential for overcoming scalability, affordability, and efficiency challenges in renewable energy storage systems.</a:t>
+              <a:t>• Integration strategies, including grid-scale energy storage and behind-the-meter solutions, have optimized renewable energy output and reduced energy waste.</a:t>
             </a:r>
           </a:p>
           <a:p>
@@ -4078,7 +4198,31 @@
               </a:defRPr>
             </a:pPr>
             <a:r>
-              <a:t>    [Design hint: Use a call-to-action to emphasize the importance of investment and policy support]</a:t>
+              <a:t>    [Design hint: Use a flowchart to illustrate the different integration strategies.]</a:t>
+            </a:r>
+          </a:p>
+          <a:p>
+            <a:pPr algn="l">
+              <a:defRPr sz="1800" b="1">
+                <a:solidFill>
+                  <a:srgbClr val="CC3333"/>
+                </a:solidFill>
+              </a:defRPr>
+            </a:pPr>
+            <a:r>
+              <a:t>• Policy support, including tax incentives and net metering laws, has encouraged investment in renewable energy storage infrastructure and accelerated market growth.</a:t>
+            </a:r>
+          </a:p>
+          <a:p>
+            <a:pPr algn="l">
+              <a:defRPr sz="1100">
+                <a:solidFill>
+                  <a:srgbClr val="787878"/>
+                </a:solidFill>
+              </a:defRPr>
+            </a:pPr>
+            <a:r>
+              <a:t>    [Design hint: Use a graph to show the impact of policy support on market growth.]</a:t>
             </a:r>
           </a:p>
         </p:txBody>
@@ -4124,7 +4268,7 @@
               </a:defRPr>
             </a:pPr>
             <a:r>
-              <a:t>Slide 4: Recent Trends and Developments</a:t>
+              <a:t>Slide 4: Key Storage Technologies</a:t>
             </a:r>
           </a:p>
         </p:txBody>
@@ -4153,7 +4297,7 @@
               </a:defRPr>
             </a:pPr>
             <a:r>
-              <a:t>• The European Union's energy storage sector reached a milestone in 2023, with over 10 GW of new installations, driving the transition to a low-carbon economy.</a:t>
+              <a:t>• Lithium-Ion Batteries: Cost-effective, high energy density, and quick response; widely deployed in grid and residential settings, offering a reliable energy storage solution.</a:t>
             </a:r>
           </a:p>
           <a:p>
@@ -4165,7 +4309,7 @@
               </a:defRPr>
             </a:pPr>
             <a:r>
-              <a:t>    [Design hint: Use a map or graph to illustrate the growth of the European Union's energy storage sector]</a:t>
+              <a:t>    [Design hint: Use a table to compare the features of different storage technologies.]</a:t>
             </a:r>
           </a:p>
           <a:p>
@@ -4177,7 +4321,7 @@
               </a:defRPr>
             </a:pPr>
             <a:r>
-              <a:t>• India's energy storage demand is expected to surge, with a projected increase from 82.37 GWh in 2026-27 to 411.4 GWh by 2030, driven by renewable energy integration and grid stability.</a:t>
+              <a:t>• Flow Batteries: Scalable, long-duration energy storage with low self-discharge rates; suitable for grid-scale applications, providing a stable and efficient energy supply.</a:t>
             </a:r>
           </a:p>
           <a:p>
@@ -4189,7 +4333,103 @@
               </a:defRPr>
             </a:pPr>
             <a:r>
-              <a:t>    [Design hint: Use a chart or graph to illustrate the projected growth of India's energy storage demand]</a:t>
+              <a:t>    [Design hint: Use a diagram to show the scalability of flow batteries.]</a:t>
+            </a:r>
+          </a:p>
+          <a:p>
+            <a:pPr algn="l">
+              <a:defRPr sz="1800" b="1">
+                <a:solidFill>
+                  <a:srgbClr val="CC3333"/>
+                </a:solidFill>
+              </a:defRPr>
+            </a:pPr>
+            <a:r>
+              <a:t>• Sodium-Ion Batteries: Environmentally friendly, cost-competitive alternative to Lithium-Ion; promising high energy density and fast charging capabilities for various applications.</a:t>
+            </a:r>
+          </a:p>
+          <a:p>
+            <a:pPr algn="l">
+              <a:defRPr sz="1100">
+                <a:solidFill>
+                  <a:srgbClr val="787878"/>
+                </a:solidFill>
+              </a:defRPr>
+            </a:pPr>
+            <a:r>
+              <a:t>    [Design hint: Use a graph to show the environmental benefits of sodium-ion batteries.]</a:t>
+            </a:r>
+          </a:p>
+          <a:p>
+            <a:pPr algn="l">
+              <a:defRPr sz="1800" b="1">
+                <a:solidFill>
+                  <a:srgbClr val="CC3333"/>
+                </a:solidFill>
+              </a:defRPr>
+            </a:pPr>
+            <a:r>
+              <a:t>• Solid-State Batteries: Enhanced safety features, faster charging, and higher energy density; poised to revolutionize the energy storage landscape with improved performance and reduced costs.</a:t>
+            </a:r>
+          </a:p>
+          <a:p>
+            <a:pPr algn="l">
+              <a:defRPr sz="1100">
+                <a:solidFill>
+                  <a:srgbClr val="787878"/>
+                </a:solidFill>
+              </a:defRPr>
+            </a:pPr>
+            <a:r>
+              <a:t>    [Design hint: Use a diagram to show the safety features of solid-state batteries.]</a:t>
+            </a:r>
+          </a:p>
+          <a:p>
+            <a:pPr algn="l">
+              <a:defRPr sz="1800" b="1">
+                <a:solidFill>
+                  <a:srgbClr val="CC3333"/>
+                </a:solidFill>
+              </a:defRPr>
+            </a:pPr>
+            <a:r>
+              <a:t>• Hydrogen Storage: Zero-emission energy storage solution, offering high energy density and long-duration capabilities; suitable for grid-scale applications, providing a clean and efficient energy supply.</a:t>
+            </a:r>
+          </a:p>
+          <a:p>
+            <a:pPr algn="l">
+              <a:defRPr sz="1100">
+                <a:solidFill>
+                  <a:srgbClr val="787878"/>
+                </a:solidFill>
+              </a:defRPr>
+            </a:pPr>
+            <a:r>
+              <a:t>    [Design hint: Use a graph to show the environmental benefits of hydrogen storage.]</a:t>
+            </a:r>
+          </a:p>
+          <a:p>
+            <a:pPr algn="l">
+              <a:defRPr sz="1800" b="1">
+                <a:solidFill>
+                  <a:srgbClr val="CC3333"/>
+                </a:solidFill>
+              </a:defRPr>
+            </a:pPr>
+            <a:r>
+              <a:t>• Pumped Hydro Storage: Mature, cost-effective technology with high energy density and long-duration capabilities; widely deployed in grid-scale applications, providing a reliable and efficient energy supply.</a:t>
+            </a:r>
+          </a:p>
+          <a:p>
+            <a:pPr algn="l">
+              <a:defRPr sz="1100">
+                <a:solidFill>
+                  <a:srgbClr val="787878"/>
+                </a:solidFill>
+              </a:defRPr>
+            </a:pPr>
+            <a:r>
+              <a:t>    [Design hint: Use a diagram to show the scalability of pumped hydro storage.]</a:t>
             </a:r>
           </a:p>
         </p:txBody>
@@ -4235,7 +4475,7 @@
               </a:defRPr>
             </a:pPr>
             <a:r>
-              <a:t>Slide 5: Executive Summary</a:t>
+              <a:t>Slide 5: Solid-State Batteries</a:t>
             </a:r>
           </a:p>
         </p:txBody>
@@ -4264,7 +4504,7 @@
               </a:defRPr>
             </a:pPr>
             <a:r>
-              <a:t>• Renewable energy storage technologies play a pivotal role in enabling a seamless transition to a low-carbon economy by mitigating intermittency and variability.</a:t>
+              <a:t>• Solid-state batteries boast enhanced safety features and higher energy density, making them a promising alternative to traditional lithium-ion batteries.</a:t>
             </a:r>
           </a:p>
           <a:p>
@@ -4276,7 +4516,7 @@
               </a:defRPr>
             </a:pPr>
             <a:r>
-              <a:t>    [Design hint: Use a bold font to emphasize the importance of renewable energy storage technologies]</a:t>
+              <a:t>    [Design hint: Use a bold font to highlight the safety features of solid-state batteries.]</a:t>
             </a:r>
           </a:p>
           <a:p>
@@ -4288,7 +4528,7 @@
               </a:defRPr>
             </a:pPr>
             <a:r>
-              <a:t>• Energy storage systems serve as a critical backbone for grid operations, facilitating the widespread adoption of renewable energy sources and ensuring a stable power supply.</a:t>
+              <a:t>• However, the scalability of solid-state battery manufacturing remains a significant challenge, hindering widespread adoption and commercialization.</a:t>
             </a:r>
           </a:p>
           <a:p>
@@ -4300,7 +4540,7 @@
               </a:defRPr>
             </a:pPr>
             <a:r>
-              <a:t>    [Design hint: Use a relevant image to illustrate the importance of energy storage systems in grid operations]</a:t>
+              <a:t>    [Design hint: Use a graph to show the impact of scalability challenges on commercialization.]</a:t>
             </a:r>
           </a:p>
         </p:txBody>
@@ -4346,7 +4586,7 @@
               </a:defRPr>
             </a:pPr>
             <a:r>
-              <a:t>Slide 6: Challenges and Opportunities</a:t>
+              <a:t>Slide 6: Flow Batteries</a:t>
             </a:r>
           </a:p>
         </p:txBody>
@@ -4368,14 +4608,14 @@
           <a:p/>
           <a:p>
             <a:pPr algn="l">
-              <a:defRPr sz="1800" b="1">
-                <a:solidFill>
-                  <a:srgbClr val="CC3333"/>
-                </a:solidFill>
-              </a:defRPr>
-            </a:pPr>
-            <a:r>
-              <a:t>• Scalability, affordability, and efficiency are critical hurdles in renewable energy storage, hindering widespread adoption.</a:t>
+              <a:defRPr sz="1800" b="0">
+                <a:solidFill>
+                  <a:srgbClr val="0066CC"/>
+                </a:solidFill>
+              </a:defRPr>
+            </a:pPr>
+            <a:r>
+              <a:t>• Flow batteries are ideal for long-duration energy storage applications, such as grid-scale power, due to their high energy density and long lifetimes.</a:t>
             </a:r>
           </a:p>
           <a:p>
@@ -4387,19 +4627,19 @@
               </a:defRPr>
             </a:pPr>
             <a:r>
-              <a:t>    [Design hint: Use a contrasting color to highlight the challenges]</a:t>
-            </a:r>
-          </a:p>
-          <a:p>
-            <a:pPr algn="l">
-              <a:defRPr sz="1800" b="1">
-                <a:solidFill>
-                  <a:srgbClr val="CC3333"/>
-                </a:solidFill>
-              </a:defRPr>
-            </a:pPr>
-            <a:r>
-              <a:t>• Continued investment in research and development, along with supportive policy frameworks, is crucial for overcoming renewable energy storage challenges.</a:t>
+              <a:t>    [Design hint: Use a diagram to illustrate the flow battery's components and operation.]</a:t>
+            </a:r>
+          </a:p>
+          <a:p>
+            <a:pPr algn="l">
+              <a:defRPr sz="1800" b="0">
+                <a:solidFill>
+                  <a:srgbClr val="0066CC"/>
+                </a:solidFill>
+              </a:defRPr>
+            </a:pPr>
+            <a:r>
+              <a:t>• Their ability to store energy in liquid electrolytes allows for efficient and cost-effective long-term energy storage, making them suitable for various applications.</a:t>
             </a:r>
           </a:p>
           <a:p>
@@ -4411,7 +4651,7 @@
               </a:defRPr>
             </a:pPr>
             <a:r>
-              <a:t>    [Design hint: Use a bullet point to break up the text]</a:t>
+              <a:t>    [Design hint: Highlight the benefits of using liquid electrolytes in flow batteries.]</a:t>
             </a:r>
           </a:p>
         </p:txBody>
@@ -4457,7 +4697,7 @@
               </a:defRPr>
             </a:pPr>
             <a:r>
-              <a:t>Slide 7: Lithium-ion Batteries</a:t>
+              <a:t>Slide 7: Pumped Hydro Storage</a:t>
             </a:r>
           </a:p>
         </p:txBody>
@@ -4479,14 +4719,14 @@
           <a:p/>
           <a:p>
             <a:pPr algn="l">
-              <a:defRPr sz="1800" b="0">
-                <a:solidFill>
-                  <a:srgbClr val="0066CC"/>
-                </a:solidFill>
-              </a:defRPr>
-            </a:pPr>
-            <a:r>
-              <a:t>• Lithium-ion batteries have become a staple in grid and residential settings, driven by their widespread adoption and proven track record.</a:t>
+              <a:defRPr sz="1800" b="1">
+                <a:solidFill>
+                  <a:srgbClr val="CC3333"/>
+                </a:solidFill>
+              </a:defRPr>
+            </a:pPr>
+            <a:r>
+              <a:t>• Pumped Hydro Storage is a mature and widely deployed energy storage technology with high energy density and long lifetimes, making it a reliable choice.</a:t>
             </a:r>
           </a:p>
           <a:p>
@@ -4498,19 +4738,19 @@
               </a:defRPr>
             </a:pPr>
             <a:r>
-              <a:t>    [Design hint: Use a bold font to emphasize the key point]</a:t>
-            </a:r>
-          </a:p>
-          <a:p>
-            <a:pPr algn="l">
-              <a:defRPr sz="1800" b="0">
-                <a:solidFill>
-                  <a:srgbClr val="0066CC"/>
-                </a:solidFill>
-              </a:defRPr>
-            </a:pPr>
-            <a:r>
-              <a:t>• Their cost-effectiveness, paired with high energy density and rapid response times, makes them an attractive solution for various energy storage applications.</a:t>
+              <a:t>    [Design hint: Use a map to show the global distribution of pumped hydro storage facilities.]</a:t>
+            </a:r>
+          </a:p>
+          <a:p>
+            <a:pPr algn="l">
+              <a:defRPr sz="1800" b="1">
+                <a:solidFill>
+                  <a:srgbClr val="CC3333"/>
+                </a:solidFill>
+              </a:defRPr>
+            </a:pPr>
+            <a:r>
+              <a:t>• This technology harnesses the potential of water to store energy, leveraging the difference in height between two reservoirs to generate electricity when needed.</a:t>
             </a:r>
           </a:p>
           <a:p>
@@ -4522,7 +4762,7 @@
               </a:defRPr>
             </a:pPr>
             <a:r>
-              <a:t>    [Design hint: Use a smaller font size to provide additional context]</a:t>
+              <a:t>    [Design hint: Illustrate the concept of pumped hydro storage using a simple diagram.]</a:t>
             </a:r>
           </a:p>
         </p:txBody>
@@ -4568,7 +4808,7 @@
               </a:defRPr>
             </a:pPr>
             <a:r>
-              <a:t>Slide 8: Solid-State Batteries</a:t>
+              <a:t>Slide 8: Compressed Air Energy Storage</a:t>
             </a:r>
           </a:p>
         </p:txBody>
@@ -4590,14 +4830,14 @@
           <a:p/>
           <a:p>
             <a:pPr algn="l">
-              <a:defRPr sz="1800" b="1">
-                <a:solidFill>
-                  <a:srgbClr val="CC3333"/>
-                </a:solidFill>
-              </a:defRPr>
-            </a:pPr>
-            <a:r>
-              <a:t>• Solid-state batteries boast enhanced safety due to the absence of flammable liquid electrolytes, reducing the risk of thermal runaway and explosions.</a:t>
+              <a:defRPr sz="1800" b="0">
+                <a:solidFill>
+                  <a:srgbClr val="0066CC"/>
+                </a:solidFill>
+              </a:defRPr>
+            </a:pPr>
+            <a:r>
+              <a:t>• Compressed air energy storage is ideal for long-duration energy storage applications, providing high energy density and extended lifetimes.</a:t>
             </a:r>
           </a:p>
           <a:p>
@@ -4609,19 +4849,19 @@
               </a:defRPr>
             </a:pPr>
             <a:r>
-              <a:t>    [Design hint: Use a warning symbol to highlight the safety aspect]</a:t>
-            </a:r>
-          </a:p>
-          <a:p>
-            <a:pPr algn="l">
-              <a:defRPr sz="1800" b="1">
-                <a:solidFill>
-                  <a:srgbClr val="CC3333"/>
-                </a:solidFill>
-              </a:defRPr>
-            </a:pPr>
-            <a:r>
-              <a:t>• Despite their potential, solid-state batteries face significant manufacturing scalability challenges, hindering widespread adoption and commercialization.</a:t>
+              <a:t>    [Design hint: Use a graph to show the relationship between compressed air energy storage and renewable energy integration.]</a:t>
+            </a:r>
+          </a:p>
+          <a:p>
+            <a:pPr algn="l">
+              <a:defRPr sz="1800" b="0">
+                <a:solidFill>
+                  <a:srgbClr val="0066CC"/>
+                </a:solidFill>
+              </a:defRPr>
+            </a:pPr>
+            <a:r>
+              <a:t>• This technology offers a reliable and efficient means of storing energy, making it suitable for grid-scale applications and renewable energy integration.</a:t>
             </a:r>
           </a:p>
           <a:p>
@@ -4633,7 +4873,7 @@
               </a:defRPr>
             </a:pPr>
             <a:r>
-              <a:t>    [Design hint: Use a graph to illustrate the scalability challenges]</a:t>
+              <a:t>    [Design hint: Highlight the benefits of compressed air energy storage in grid-scale applications.]</a:t>
             </a:r>
           </a:p>
         </p:txBody>
@@ -4679,7 +4919,7 @@
               </a:defRPr>
             </a:pPr>
             <a:r>
-              <a:t>Slide 9: Hydrogen Fuel Cells</a:t>
+              <a:t>Slide 9: Thermal Energy Storage</a:t>
             </a:r>
           </a:p>
         </p:txBody>
@@ -4701,14 +4941,14 @@
           <a:p/>
           <a:p>
             <a:pPr algn="l">
-              <a:defRPr sz="1800" b="0">
-                <a:solidFill>
-                  <a:srgbClr val="0066CC"/>
-                </a:solidFill>
-              </a:defRPr>
-            </a:pPr>
-            <a:r>
-              <a:t>• Hydrogen fuel cells utilize chemical reactions to convert hydrogen into electricity, producing only water and heat as byproducts.</a:t>
+              <a:defRPr sz="1800" b="1">
+                <a:solidFill>
+                  <a:srgbClr val="CC3333"/>
+                </a:solidFill>
+              </a:defRPr>
+            </a:pPr>
+            <a:r>
+              <a:t>• Thermal energy storage is ideal for long-duration applications, providing high energy density and extended lifetimes for efficient energy management.</a:t>
             </a:r>
           </a:p>
           <a:p>
@@ -4720,19 +4960,19 @@
               </a:defRPr>
             </a:pPr>
             <a:r>
-              <a:t>    [Design hint: Use a diagram to illustrate the chemical reaction]</a:t>
-            </a:r>
-          </a:p>
-          <a:p>
-            <a:pPr algn="l">
-              <a:defRPr sz="1800" b="0">
-                <a:solidFill>
-                  <a:srgbClr val="0066CC"/>
-                </a:solidFill>
-              </a:defRPr>
-            </a:pPr>
-            <a:r>
-              <a:t>• High energy density in hydrogen fuel cells enables efficient energy storage and transportation, making them suitable for various applications.</a:t>
+              <a:t>    [Design hint: Use a diagram to illustrate the concept of thermal energy storage.]</a:t>
+            </a:r>
+          </a:p>
+          <a:p>
+            <a:pPr algn="l">
+              <a:defRPr sz="1800" b="1">
+                <a:solidFill>
+                  <a:srgbClr val="CC3333"/>
+                </a:solidFill>
+              </a:defRPr>
+            </a:pPr>
+            <a:r>
+              <a:t>• Thermal energy storage systems can store energy in the form of molten salt, ice, or phase-change materials, offering a reliable and cost-effective solution.</a:t>
             </a:r>
           </a:p>
           <a:p>
@@ -4744,7 +4984,7 @@
               </a:defRPr>
             </a:pPr>
             <a:r>
-              <a:t>    [Design hint: Use a chart to compare energy density with other options]</a:t>
+              <a:t>    [Design hint: Highlight the different types of thermal energy storage systems.]</a:t>
             </a:r>
           </a:p>
         </p:txBody>
